--- a/Document/발표자료/구조도.pptx
+++ b/Document/발표자료/구조도.pptx
@@ -104,6 +104,11 @@
       </a:defRPr>
     </a:lvl9pPr>
   </p:defaultTextStyle>
+  <p:extLst>
+    <p:ext uri="{EFAFB233-063F-42B5-8137-9DF3F51BA10A}">
+      <p15:sldGuideLst xmlns:p15="http://schemas.microsoft.com/office/powerpoint/2012/main"/>
+    </p:ext>
+  </p:extLst>
 </p:presentation>
 </file>
 
@@ -238,7 +243,7 @@
           <a:p>
             <a:fld id="{B1E7D01B-9AB5-4991-9C04-93DA7D916E88}" type="datetimeFigureOut">
               <a:rPr lang="ko-KR" altLang="en-US" smtClean="0"/>
-              <a:t>2023-07-20</a:t>
+              <a:t>2023-08-11</a:t>
             </a:fld>
             <a:endParaRPr lang="ko-KR" altLang="en-US"/>
           </a:p>
@@ -408,7 +413,7 @@
           <a:p>
             <a:fld id="{B1E7D01B-9AB5-4991-9C04-93DA7D916E88}" type="datetimeFigureOut">
               <a:rPr lang="ko-KR" altLang="en-US" smtClean="0"/>
-              <a:t>2023-07-20</a:t>
+              <a:t>2023-08-11</a:t>
             </a:fld>
             <a:endParaRPr lang="ko-KR" altLang="en-US"/>
           </a:p>
@@ -588,7 +593,7 @@
           <a:p>
             <a:fld id="{B1E7D01B-9AB5-4991-9C04-93DA7D916E88}" type="datetimeFigureOut">
               <a:rPr lang="ko-KR" altLang="en-US" smtClean="0"/>
-              <a:t>2023-07-20</a:t>
+              <a:t>2023-08-11</a:t>
             </a:fld>
             <a:endParaRPr lang="ko-KR" altLang="en-US"/>
           </a:p>
@@ -758,7 +763,7 @@
           <a:p>
             <a:fld id="{B1E7D01B-9AB5-4991-9C04-93DA7D916E88}" type="datetimeFigureOut">
               <a:rPr lang="ko-KR" altLang="en-US" smtClean="0"/>
-              <a:t>2023-07-20</a:t>
+              <a:t>2023-08-11</a:t>
             </a:fld>
             <a:endParaRPr lang="ko-KR" altLang="en-US"/>
           </a:p>
@@ -1004,7 +1009,7 @@
           <a:p>
             <a:fld id="{B1E7D01B-9AB5-4991-9C04-93DA7D916E88}" type="datetimeFigureOut">
               <a:rPr lang="ko-KR" altLang="en-US" smtClean="0"/>
-              <a:t>2023-07-20</a:t>
+              <a:t>2023-08-11</a:t>
             </a:fld>
             <a:endParaRPr lang="ko-KR" altLang="en-US"/>
           </a:p>
@@ -1236,7 +1241,7 @@
           <a:p>
             <a:fld id="{B1E7D01B-9AB5-4991-9C04-93DA7D916E88}" type="datetimeFigureOut">
               <a:rPr lang="ko-KR" altLang="en-US" smtClean="0"/>
-              <a:t>2023-07-20</a:t>
+              <a:t>2023-08-11</a:t>
             </a:fld>
             <a:endParaRPr lang="ko-KR" altLang="en-US"/>
           </a:p>
@@ -1603,7 +1608,7 @@
           <a:p>
             <a:fld id="{B1E7D01B-9AB5-4991-9C04-93DA7D916E88}" type="datetimeFigureOut">
               <a:rPr lang="ko-KR" altLang="en-US" smtClean="0"/>
-              <a:t>2023-07-20</a:t>
+              <a:t>2023-08-11</a:t>
             </a:fld>
             <a:endParaRPr lang="ko-KR" altLang="en-US"/>
           </a:p>
@@ -1721,7 +1726,7 @@
           <a:p>
             <a:fld id="{B1E7D01B-9AB5-4991-9C04-93DA7D916E88}" type="datetimeFigureOut">
               <a:rPr lang="ko-KR" altLang="en-US" smtClean="0"/>
-              <a:t>2023-07-20</a:t>
+              <a:t>2023-08-11</a:t>
             </a:fld>
             <a:endParaRPr lang="ko-KR" altLang="en-US"/>
           </a:p>
@@ -1816,7 +1821,7 @@
           <a:p>
             <a:fld id="{B1E7D01B-9AB5-4991-9C04-93DA7D916E88}" type="datetimeFigureOut">
               <a:rPr lang="ko-KR" altLang="en-US" smtClean="0"/>
-              <a:t>2023-07-20</a:t>
+              <a:t>2023-08-11</a:t>
             </a:fld>
             <a:endParaRPr lang="ko-KR" altLang="en-US"/>
           </a:p>
@@ -2093,7 +2098,7 @@
           <a:p>
             <a:fld id="{B1E7D01B-9AB5-4991-9C04-93DA7D916E88}" type="datetimeFigureOut">
               <a:rPr lang="ko-KR" altLang="en-US" smtClean="0"/>
-              <a:t>2023-07-20</a:t>
+              <a:t>2023-08-11</a:t>
             </a:fld>
             <a:endParaRPr lang="ko-KR" altLang="en-US"/>
           </a:p>
@@ -2346,7 +2351,7 @@
           <a:p>
             <a:fld id="{B1E7D01B-9AB5-4991-9C04-93DA7D916E88}" type="datetimeFigureOut">
               <a:rPr lang="ko-KR" altLang="en-US" smtClean="0"/>
-              <a:t>2023-07-20</a:t>
+              <a:t>2023-08-11</a:t>
             </a:fld>
             <a:endParaRPr lang="ko-KR" altLang="en-US"/>
           </a:p>
@@ -2559,7 +2564,7 @@
           <a:p>
             <a:fld id="{B1E7D01B-9AB5-4991-9C04-93DA7D916E88}" type="datetimeFigureOut">
               <a:rPr lang="ko-KR" altLang="en-US" smtClean="0"/>
-              <a:t>2023-07-20</a:t>
+              <a:t>2023-08-11</a:t>
             </a:fld>
             <a:endParaRPr lang="ko-KR" altLang="en-US"/>
           </a:p>
@@ -3004,7 +3009,9 @@
                 <a:ext cx="7330050" cy="6359236"/>
               </a:xfrm>
               <a:prstGeom prst="roundRect">
-                <a:avLst/>
+                <a:avLst>
+                  <a:gd name="adj" fmla="val 10445"/>
+                </a:avLst>
               </a:prstGeom>
               <a:solidFill>
                 <a:schemeClr val="bg1"/>
@@ -3138,77 +3145,6 @@
             </a:p>
           </p:txBody>
         </p:sp>
-        <p:sp>
-          <p:nvSpPr>
-            <p:cNvPr id="7" name="모서리가 둥근 직사각형 6"/>
-            <p:cNvSpPr/>
-            <p:nvPr/>
-          </p:nvSpPr>
-          <p:spPr>
-            <a:xfrm>
-              <a:off x="4304779" y="1373051"/>
-              <a:ext cx="2194560" cy="1039091"/>
-            </a:xfrm>
-            <a:prstGeom prst="roundRect">
-              <a:avLst/>
-            </a:prstGeom>
-            <a:solidFill>
-              <a:schemeClr val="bg2"/>
-            </a:solidFill>
-            <a:ln>
-              <a:solidFill>
-                <a:schemeClr val="tx1"/>
-              </a:solidFill>
-            </a:ln>
-          </p:spPr>
-          <p:style>
-            <a:lnRef idx="2">
-              <a:schemeClr val="accent1">
-                <a:shade val="50000"/>
-              </a:schemeClr>
-            </a:lnRef>
-            <a:fillRef idx="1">
-              <a:schemeClr val="accent1"/>
-            </a:fillRef>
-            <a:effectRef idx="0">
-              <a:schemeClr val="accent1"/>
-            </a:effectRef>
-            <a:fontRef idx="minor">
-              <a:schemeClr val="lt1"/>
-            </a:fontRef>
-          </p:style>
-          <p:txBody>
-            <a:bodyPr rtlCol="0" anchor="ctr"/>
-            <a:lstStyle/>
-            <a:p>
-              <a:pPr algn="ctr"/>
-              <a:r>
-                <a:rPr lang="en-US" altLang="ko-KR" sz="2800" dirty="0" smtClean="0">
-                  <a:solidFill>
-                    <a:schemeClr val="tx1"/>
-                  </a:solidFill>
-                </a:rPr>
-                <a:t>Front</a:t>
-              </a:r>
-            </a:p>
-            <a:p>
-              <a:pPr algn="ctr"/>
-              <a:r>
-                <a:rPr lang="en-US" altLang="ko-KR" sz="2800" dirty="0" smtClean="0">
-                  <a:solidFill>
-                    <a:schemeClr val="tx1"/>
-                  </a:solidFill>
-                </a:rPr>
-                <a:t>Controller</a:t>
-              </a:r>
-              <a:endParaRPr lang="ko-KR" altLang="en-US" sz="2800" dirty="0">
-                <a:solidFill>
-                  <a:schemeClr val="tx1"/>
-                </a:solidFill>
-              </a:endParaRPr>
-            </a:p>
-          </p:txBody>
-        </p:sp>
         <p:grpSp>
           <p:nvGrpSpPr>
             <p:cNvPr id="9" name="그룹 8"/>
@@ -3217,10 +3153,10 @@
           </p:nvGrpSpPr>
           <p:grpSpPr>
             <a:xfrm>
-              <a:off x="2542481" y="2420455"/>
-              <a:ext cx="1762298" cy="1520953"/>
-              <a:chOff x="2528455" y="3196243"/>
-              <a:chExt cx="1762298" cy="1520953"/>
+              <a:off x="2955720" y="255955"/>
+              <a:ext cx="1762298" cy="1479724"/>
+              <a:chOff x="2941694" y="1031743"/>
+              <a:chExt cx="1762298" cy="1479724"/>
             </a:xfrm>
           </p:grpSpPr>
           <p:sp>
@@ -3231,7 +3167,7 @@
             </p:nvSpPr>
             <p:spPr>
               <a:xfrm>
-                <a:off x="3068782" y="3196243"/>
+                <a:off x="3482021" y="1821511"/>
                 <a:ext cx="681644" cy="689956"/>
               </a:xfrm>
               <a:prstGeom prst="ellipse">
@@ -3274,7 +3210,7 @@
             </p:nvSpPr>
             <p:spPr>
               <a:xfrm>
-                <a:off x="2528455" y="3886199"/>
+                <a:off x="2941694" y="1031743"/>
                 <a:ext cx="1762298" cy="830997"/>
               </a:xfrm>
               <a:prstGeom prst="rect">
@@ -3313,7 +3249,7 @@
           </p:nvSpPr>
           <p:spPr>
             <a:xfrm>
-              <a:off x="4304779" y="4467926"/>
+              <a:off x="4407521" y="2751317"/>
               <a:ext cx="2194560" cy="1039091"/>
             </a:xfrm>
             <a:prstGeom prst="roundRect">
@@ -3555,8 +3491,8 @@
           </p:nvCxnSpPr>
           <p:spPr>
             <a:xfrm flipV="1">
-              <a:off x="2014793" y="2765433"/>
-              <a:ext cx="1068015" cy="247833"/>
+              <a:off x="2014793" y="1390701"/>
+              <a:ext cx="1481254" cy="1602523"/>
             </a:xfrm>
             <a:prstGeom prst="straightConnector1">
               <a:avLst/>
@@ -3583,48 +3519,16 @@
         <p:cxnSp>
           <p:nvCxnSpPr>
             <p:cNvPr id="30" name="직선 화살표 연결선 29"/>
-            <p:cNvCxnSpPr/>
-            <p:nvPr/>
-          </p:nvCxnSpPr>
-          <p:spPr>
-            <a:xfrm flipV="1">
-              <a:off x="3609196" y="1917370"/>
-              <a:ext cx="705111" cy="576351"/>
-            </a:xfrm>
-            <a:prstGeom prst="straightConnector1">
-              <a:avLst/>
-            </a:prstGeom>
-            <a:ln>
-              <a:tailEnd type="triangle"/>
-            </a:ln>
-          </p:spPr>
-          <p:style>
-            <a:lnRef idx="3">
-              <a:schemeClr val="accent1"/>
-            </a:lnRef>
-            <a:fillRef idx="0">
-              <a:schemeClr val="accent1"/>
-            </a:fillRef>
-            <a:effectRef idx="2">
-              <a:schemeClr val="accent1"/>
-            </a:effectRef>
-            <a:fontRef idx="minor">
-              <a:schemeClr val="tx1"/>
-            </a:fontRef>
-          </p:style>
-        </p:cxnSp>
-        <p:cxnSp>
-          <p:nvCxnSpPr>
-            <p:cNvPr id="33" name="직선 화살표 연결선 32"/>
             <p:cNvCxnSpPr>
+              <a:stCxn id="6" idx="6"/>
               <a:endCxn id="11" idx="0"/>
             </p:cNvCxnSpPr>
             <p:nvPr/>
           </p:nvCxnSpPr>
           <p:spPr>
             <a:xfrm>
-              <a:off x="5402059" y="2419171"/>
-              <a:ext cx="0" cy="2048755"/>
+              <a:off x="4177691" y="1390701"/>
+              <a:ext cx="1327110" cy="1360616"/>
             </a:xfrm>
             <a:prstGeom prst="straightConnector1">
               <a:avLst/>
@@ -3655,9 +3559,9 @@
             <p:nvPr/>
           </p:nvCxnSpPr>
           <p:spPr>
-            <a:xfrm flipV="1">
-              <a:off x="6499339" y="4164676"/>
-              <a:ext cx="929555" cy="637919"/>
+            <a:xfrm>
+              <a:off x="6602081" y="3690784"/>
+              <a:ext cx="826813" cy="473893"/>
             </a:xfrm>
             <a:prstGeom prst="straightConnector1">
               <a:avLst/>
@@ -3992,9 +3896,9 @@
             <p:nvPr/>
           </p:nvCxnSpPr>
           <p:spPr>
-            <a:xfrm flipH="1">
-              <a:off x="6499339" y="4467926"/>
-              <a:ext cx="933322" cy="669339"/>
+            <a:xfrm flipH="1" flipV="1">
+              <a:off x="6280655" y="3788150"/>
+              <a:ext cx="1152006" cy="679776"/>
             </a:xfrm>
             <a:prstGeom prst="straightConnector1">
               <a:avLst/>
@@ -4028,9 +3932,9 @@
             <p:nvPr/>
           </p:nvCxnSpPr>
           <p:spPr>
-            <a:xfrm flipH="1" flipV="1">
-              <a:off x="2014793" y="3348013"/>
-              <a:ext cx="2289986" cy="1636823"/>
+            <a:xfrm flipH="1">
+              <a:off x="2014793" y="3337560"/>
+              <a:ext cx="2388961" cy="10454"/>
             </a:xfrm>
             <a:prstGeom prst="straightConnector1">
               <a:avLst/>
@@ -4058,6 +3962,296 @@
           </p:style>
         </p:cxnSp>
       </p:grpSp>
+      <p:sp>
+        <p:nvSpPr>
+          <p:cNvPr id="21" name="타원 20"/>
+          <p:cNvSpPr/>
+          <p:nvPr/>
+        </p:nvSpPr>
+        <p:spPr>
+          <a:xfrm>
+            <a:off x="8064578" y="3180932"/>
+            <a:ext cx="923192" cy="393541"/>
+          </a:xfrm>
+          <a:prstGeom prst="ellipse">
+            <a:avLst/>
+          </a:prstGeom>
+          <a:solidFill>
+            <a:schemeClr val="accent4">
+              <a:lumMod val="40000"/>
+              <a:lumOff val="60000"/>
+            </a:schemeClr>
+          </a:solidFill>
+        </p:spPr>
+        <p:style>
+          <a:lnRef idx="2">
+            <a:schemeClr val="accent1">
+              <a:shade val="50000"/>
+            </a:schemeClr>
+          </a:lnRef>
+          <a:fillRef idx="1">
+            <a:schemeClr val="accent1"/>
+          </a:fillRef>
+          <a:effectRef idx="0">
+            <a:schemeClr val="accent1"/>
+          </a:effectRef>
+          <a:fontRef idx="minor">
+            <a:schemeClr val="lt1"/>
+          </a:fontRef>
+        </p:style>
+        <p:txBody>
+          <a:bodyPr rtlCol="0" anchor="ctr"/>
+          <a:lstStyle/>
+          <a:p>
+            <a:pPr algn="ctr"/>
+            <a:r>
+              <a:rPr lang="en-US" altLang="ko-KR" dirty="0" smtClean="0">
+                <a:solidFill>
+                  <a:schemeClr val="tx1"/>
+                </a:solidFill>
+              </a:rPr>
+              <a:t>DTO</a:t>
+            </a:r>
+            <a:endParaRPr lang="ko-KR" altLang="en-US" dirty="0">
+              <a:solidFill>
+                <a:schemeClr val="tx1"/>
+              </a:solidFill>
+            </a:endParaRPr>
+          </a:p>
+        </p:txBody>
+      </p:sp>
+      <p:sp>
+        <p:nvSpPr>
+          <p:cNvPr id="39" name="타원 38"/>
+          <p:cNvSpPr/>
+          <p:nvPr/>
+        </p:nvSpPr>
+        <p:spPr>
+          <a:xfrm>
+            <a:off x="2965628" y="3474961"/>
+            <a:ext cx="923192" cy="393541"/>
+          </a:xfrm>
+          <a:prstGeom prst="ellipse">
+            <a:avLst/>
+          </a:prstGeom>
+          <a:solidFill>
+            <a:schemeClr val="accent4">
+              <a:lumMod val="40000"/>
+              <a:lumOff val="60000"/>
+            </a:schemeClr>
+          </a:solidFill>
+        </p:spPr>
+        <p:style>
+          <a:lnRef idx="2">
+            <a:schemeClr val="accent1">
+              <a:shade val="50000"/>
+            </a:schemeClr>
+          </a:lnRef>
+          <a:fillRef idx="1">
+            <a:schemeClr val="accent1"/>
+          </a:fillRef>
+          <a:effectRef idx="0">
+            <a:schemeClr val="accent1"/>
+          </a:effectRef>
+          <a:fontRef idx="minor">
+            <a:schemeClr val="lt1"/>
+          </a:fontRef>
+        </p:style>
+        <p:txBody>
+          <a:bodyPr rtlCol="0" anchor="ctr"/>
+          <a:lstStyle/>
+          <a:p>
+            <a:pPr algn="ctr"/>
+            <a:r>
+              <a:rPr lang="en-US" altLang="ko-KR" sz="1200" dirty="0" smtClean="0">
+                <a:solidFill>
+                  <a:schemeClr val="tx1"/>
+                </a:solidFill>
+              </a:rPr>
+              <a:t>Scope</a:t>
+            </a:r>
+            <a:endParaRPr lang="ko-KR" altLang="en-US" sz="1200" dirty="0">
+              <a:solidFill>
+                <a:schemeClr val="tx1"/>
+              </a:solidFill>
+            </a:endParaRPr>
+          </a:p>
+        </p:txBody>
+      </p:sp>
+      <p:sp>
+        <p:nvSpPr>
+          <p:cNvPr id="41" name="타원 40"/>
+          <p:cNvSpPr/>
+          <p:nvPr/>
+        </p:nvSpPr>
+        <p:spPr>
+          <a:xfrm>
+            <a:off x="6438148" y="3868502"/>
+            <a:ext cx="923192" cy="393541"/>
+          </a:xfrm>
+          <a:prstGeom prst="ellipse">
+            <a:avLst/>
+          </a:prstGeom>
+          <a:solidFill>
+            <a:schemeClr val="accent4">
+              <a:lumMod val="40000"/>
+              <a:lumOff val="60000"/>
+            </a:schemeClr>
+          </a:solidFill>
+        </p:spPr>
+        <p:style>
+          <a:lnRef idx="2">
+            <a:schemeClr val="accent1">
+              <a:shade val="50000"/>
+            </a:schemeClr>
+          </a:lnRef>
+          <a:fillRef idx="1">
+            <a:schemeClr val="accent1"/>
+          </a:fillRef>
+          <a:effectRef idx="0">
+            <a:schemeClr val="accent1"/>
+          </a:effectRef>
+          <a:fontRef idx="minor">
+            <a:schemeClr val="lt1"/>
+          </a:fontRef>
+        </p:style>
+        <p:txBody>
+          <a:bodyPr rtlCol="0" anchor="ctr"/>
+          <a:lstStyle/>
+          <a:p>
+            <a:pPr algn="ctr"/>
+            <a:r>
+              <a:rPr lang="en-US" altLang="ko-KR" sz="1400" dirty="0" smtClean="0">
+                <a:solidFill>
+                  <a:schemeClr val="tx1"/>
+                </a:solidFill>
+              </a:rPr>
+              <a:t>JSON</a:t>
+            </a:r>
+            <a:endParaRPr lang="ko-KR" altLang="en-US" sz="1400" dirty="0">
+              <a:solidFill>
+                <a:schemeClr val="tx1"/>
+              </a:solidFill>
+            </a:endParaRPr>
+          </a:p>
+        </p:txBody>
+      </p:sp>
+      <p:sp>
+        <p:nvSpPr>
+          <p:cNvPr id="42" name="타원 41"/>
+          <p:cNvSpPr/>
+          <p:nvPr/>
+        </p:nvSpPr>
+        <p:spPr>
+          <a:xfrm>
+            <a:off x="2965628" y="2833617"/>
+            <a:ext cx="923192" cy="393541"/>
+          </a:xfrm>
+          <a:prstGeom prst="ellipse">
+            <a:avLst/>
+          </a:prstGeom>
+          <a:solidFill>
+            <a:schemeClr val="accent4">
+              <a:lumMod val="40000"/>
+              <a:lumOff val="60000"/>
+            </a:schemeClr>
+          </a:solidFill>
+        </p:spPr>
+        <p:style>
+          <a:lnRef idx="2">
+            <a:schemeClr val="accent1">
+              <a:shade val="50000"/>
+            </a:schemeClr>
+          </a:lnRef>
+          <a:fillRef idx="1">
+            <a:schemeClr val="accent1"/>
+          </a:fillRef>
+          <a:effectRef idx="0">
+            <a:schemeClr val="accent1"/>
+          </a:effectRef>
+          <a:fontRef idx="minor">
+            <a:schemeClr val="lt1"/>
+          </a:fontRef>
+        </p:style>
+        <p:txBody>
+          <a:bodyPr rtlCol="0" anchor="ctr"/>
+          <a:lstStyle/>
+          <a:p>
+            <a:pPr algn="ctr"/>
+            <a:r>
+              <a:rPr lang="en-US" altLang="ko-KR" sz="1400" dirty="0" smtClean="0">
+                <a:solidFill>
+                  <a:schemeClr val="tx1"/>
+                </a:solidFill>
+              </a:rPr>
+              <a:t>JSON</a:t>
+            </a:r>
+            <a:endParaRPr lang="ko-KR" altLang="en-US" sz="1400" dirty="0">
+              <a:solidFill>
+                <a:schemeClr val="tx1"/>
+              </a:solidFill>
+            </a:endParaRPr>
+          </a:p>
+        </p:txBody>
+      </p:sp>
+      <p:sp>
+        <p:nvSpPr>
+          <p:cNvPr id="43" name="타원 42"/>
+          <p:cNvSpPr/>
+          <p:nvPr/>
+        </p:nvSpPr>
+        <p:spPr>
+          <a:xfrm>
+            <a:off x="1909664" y="1592909"/>
+            <a:ext cx="923192" cy="393541"/>
+          </a:xfrm>
+          <a:prstGeom prst="ellipse">
+            <a:avLst/>
+          </a:prstGeom>
+          <a:solidFill>
+            <a:schemeClr val="accent4">
+              <a:lumMod val="40000"/>
+              <a:lumOff val="60000"/>
+            </a:schemeClr>
+          </a:solidFill>
+        </p:spPr>
+        <p:style>
+          <a:lnRef idx="2">
+            <a:schemeClr val="accent1">
+              <a:shade val="50000"/>
+            </a:schemeClr>
+          </a:lnRef>
+          <a:fillRef idx="1">
+            <a:schemeClr val="accent1"/>
+          </a:fillRef>
+          <a:effectRef idx="0">
+            <a:schemeClr val="accent1"/>
+          </a:effectRef>
+          <a:fontRef idx="minor">
+            <a:schemeClr val="lt1"/>
+          </a:fontRef>
+        </p:style>
+        <p:txBody>
+          <a:bodyPr rtlCol="0" anchor="ctr"/>
+          <a:lstStyle/>
+          <a:p>
+            <a:pPr algn="ctr"/>
+            <a:r>
+              <a:rPr lang="en-US" altLang="ko-KR" sz="1400" dirty="0" smtClean="0">
+                <a:solidFill>
+                  <a:schemeClr val="tx1"/>
+                </a:solidFill>
+              </a:rPr>
+              <a:t>JSON</a:t>
+            </a:r>
+            <a:endParaRPr lang="ko-KR" altLang="en-US" sz="1400" dirty="0">
+              <a:solidFill>
+                <a:schemeClr val="tx1"/>
+              </a:solidFill>
+            </a:endParaRPr>
+          </a:p>
+        </p:txBody>
+      </p:sp>
     </p:spTree>
     <p:extLst>
       <p:ext uri="{BB962C8B-B14F-4D97-AF65-F5344CB8AC3E}">
